--- a/Poster2.pptx
+++ b/Poster2.pptx
@@ -193,7 +193,7 @@
             <a:fld id="{5F38CB7E-6D58-9A4A-8793-0E776B8F71E4}" type="datetimeFigureOut">
               <a:rPr lang="en-US" smtClean="0"/>
               <a:pPr/>
-              <a:t>12/6/2010</a:t>
+              <a:t>12/6/10</a:t>
             </a:fld>
             <a:endParaRPr lang="en-US"/>
           </a:p>
@@ -362,7 +362,7 @@
     </p:spTree>
     <p:extLst>
       <p:ext uri="{BB962C8B-B14F-4D97-AF65-F5344CB8AC3E}">
-        <p14:creationId xmlns:p14="http://schemas.microsoft.com/office/powerpoint/2010/main" xmlns="" val="2832002699"/>
+        <p14:creationId xmlns:p14="http://schemas.microsoft.com/office/powerpoint/2010/main" val="2832002699"/>
       </p:ext>
     </p:extLst>
   </p:cSld>
@@ -644,7 +644,7 @@
             <a:fld id="{F28BCAEC-89E4-B242-A8C4-E7D362CA6C71}" type="datetimeFigureOut">
               <a:rPr lang="en-US" smtClean="0"/>
               <a:pPr/>
-              <a:t>12/6/2010</a:t>
+              <a:t>12/6/10</a:t>
             </a:fld>
             <a:endParaRPr lang="en-US"/>
           </a:p>
@@ -696,7 +696,7 @@
     </p:spTree>
     <p:extLst>
       <p:ext uri="{BB962C8B-B14F-4D97-AF65-F5344CB8AC3E}">
-        <p14:creationId xmlns:p14="http://schemas.microsoft.com/office/powerpoint/2010/main" xmlns="" val="4104680262"/>
+        <p14:creationId xmlns:p14="http://schemas.microsoft.com/office/powerpoint/2010/main" val="4104680262"/>
       </p:ext>
     </p:extLst>
   </p:cSld>
@@ -816,7 +816,7 @@
             <a:fld id="{F28BCAEC-89E4-B242-A8C4-E7D362CA6C71}" type="datetimeFigureOut">
               <a:rPr lang="en-US" smtClean="0"/>
               <a:pPr/>
-              <a:t>12/6/2010</a:t>
+              <a:t>12/6/10</a:t>
             </a:fld>
             <a:endParaRPr lang="en-US"/>
           </a:p>
@@ -868,7 +868,7 @@
     </p:spTree>
     <p:extLst>
       <p:ext uri="{BB962C8B-B14F-4D97-AF65-F5344CB8AC3E}">
-        <p14:creationId xmlns:p14="http://schemas.microsoft.com/office/powerpoint/2010/main" xmlns="" val="2085745499"/>
+        <p14:creationId xmlns:p14="http://schemas.microsoft.com/office/powerpoint/2010/main" val="2085745499"/>
       </p:ext>
     </p:extLst>
   </p:cSld>
@@ -998,7 +998,7 @@
             <a:fld id="{F28BCAEC-89E4-B242-A8C4-E7D362CA6C71}" type="datetimeFigureOut">
               <a:rPr lang="en-US" smtClean="0"/>
               <a:pPr/>
-              <a:t>12/6/2010</a:t>
+              <a:t>12/6/10</a:t>
             </a:fld>
             <a:endParaRPr lang="en-US"/>
           </a:p>
@@ -1050,7 +1050,7 @@
     </p:spTree>
     <p:extLst>
       <p:ext uri="{BB962C8B-B14F-4D97-AF65-F5344CB8AC3E}">
-        <p14:creationId xmlns:p14="http://schemas.microsoft.com/office/powerpoint/2010/main" xmlns="" val="3479795547"/>
+        <p14:creationId xmlns:p14="http://schemas.microsoft.com/office/powerpoint/2010/main" val="3479795547"/>
       </p:ext>
     </p:extLst>
   </p:cSld>
@@ -1170,7 +1170,7 @@
             <a:fld id="{F28BCAEC-89E4-B242-A8C4-E7D362CA6C71}" type="datetimeFigureOut">
               <a:rPr lang="en-US" smtClean="0"/>
               <a:pPr/>
-              <a:t>12/6/2010</a:t>
+              <a:t>12/6/10</a:t>
             </a:fld>
             <a:endParaRPr lang="en-US"/>
           </a:p>
@@ -1222,7 +1222,7 @@
     </p:spTree>
     <p:extLst>
       <p:ext uri="{BB962C8B-B14F-4D97-AF65-F5344CB8AC3E}">
-        <p14:creationId xmlns:p14="http://schemas.microsoft.com/office/powerpoint/2010/main" xmlns="" val="2616328276"/>
+        <p14:creationId xmlns:p14="http://schemas.microsoft.com/office/powerpoint/2010/main" val="2616328276"/>
       </p:ext>
     </p:extLst>
   </p:cSld>
@@ -1418,7 +1418,7 @@
             <a:fld id="{F28BCAEC-89E4-B242-A8C4-E7D362CA6C71}" type="datetimeFigureOut">
               <a:rPr lang="en-US" smtClean="0"/>
               <a:pPr/>
-              <a:t>12/6/2010</a:t>
+              <a:t>12/6/10</a:t>
             </a:fld>
             <a:endParaRPr lang="en-US"/>
           </a:p>
@@ -1470,7 +1470,7 @@
     </p:spTree>
     <p:extLst>
       <p:ext uri="{BB962C8B-B14F-4D97-AF65-F5344CB8AC3E}">
-        <p14:creationId xmlns:p14="http://schemas.microsoft.com/office/powerpoint/2010/main" xmlns="" val="4088474802"/>
+        <p14:creationId xmlns:p14="http://schemas.microsoft.com/office/powerpoint/2010/main" val="4088474802"/>
       </p:ext>
     </p:extLst>
   </p:cSld>
@@ -1708,7 +1708,7 @@
             <a:fld id="{F28BCAEC-89E4-B242-A8C4-E7D362CA6C71}" type="datetimeFigureOut">
               <a:rPr lang="en-US" smtClean="0"/>
               <a:pPr/>
-              <a:t>12/6/2010</a:t>
+              <a:t>12/6/10</a:t>
             </a:fld>
             <a:endParaRPr lang="en-US"/>
           </a:p>
@@ -1760,7 +1760,7 @@
     </p:spTree>
     <p:extLst>
       <p:ext uri="{BB962C8B-B14F-4D97-AF65-F5344CB8AC3E}">
-        <p14:creationId xmlns:p14="http://schemas.microsoft.com/office/powerpoint/2010/main" xmlns="" val="2835365105"/>
+        <p14:creationId xmlns:p14="http://schemas.microsoft.com/office/powerpoint/2010/main" val="2835365105"/>
       </p:ext>
     </p:extLst>
   </p:cSld>
@@ -2132,7 +2132,7 @@
             <a:fld id="{F28BCAEC-89E4-B242-A8C4-E7D362CA6C71}" type="datetimeFigureOut">
               <a:rPr lang="en-US" smtClean="0"/>
               <a:pPr/>
-              <a:t>12/6/2010</a:t>
+              <a:t>12/6/10</a:t>
             </a:fld>
             <a:endParaRPr lang="en-US"/>
           </a:p>
@@ -2184,7 +2184,7 @@
     </p:spTree>
     <p:extLst>
       <p:ext uri="{BB962C8B-B14F-4D97-AF65-F5344CB8AC3E}">
-        <p14:creationId xmlns:p14="http://schemas.microsoft.com/office/powerpoint/2010/main" xmlns="" val="2577148236"/>
+        <p14:creationId xmlns:p14="http://schemas.microsoft.com/office/powerpoint/2010/main" val="2577148236"/>
       </p:ext>
     </p:extLst>
   </p:cSld>
@@ -2252,7 +2252,7 @@
             <a:fld id="{F28BCAEC-89E4-B242-A8C4-E7D362CA6C71}" type="datetimeFigureOut">
               <a:rPr lang="en-US" smtClean="0"/>
               <a:pPr/>
-              <a:t>12/6/2010</a:t>
+              <a:t>12/6/10</a:t>
             </a:fld>
             <a:endParaRPr lang="en-US"/>
           </a:p>
@@ -2304,7 +2304,7 @@
     </p:spTree>
     <p:extLst>
       <p:ext uri="{BB962C8B-B14F-4D97-AF65-F5344CB8AC3E}">
-        <p14:creationId xmlns:p14="http://schemas.microsoft.com/office/powerpoint/2010/main" xmlns="" val="1838885496"/>
+        <p14:creationId xmlns:p14="http://schemas.microsoft.com/office/powerpoint/2010/main" val="1838885496"/>
       </p:ext>
     </p:extLst>
   </p:cSld>
@@ -2349,7 +2349,7 @@
             <a:fld id="{F28BCAEC-89E4-B242-A8C4-E7D362CA6C71}" type="datetimeFigureOut">
               <a:rPr lang="en-US" smtClean="0"/>
               <a:pPr/>
-              <a:t>12/6/2010</a:t>
+              <a:t>12/6/10</a:t>
             </a:fld>
             <a:endParaRPr lang="en-US"/>
           </a:p>
@@ -2401,7 +2401,7 @@
     </p:spTree>
     <p:extLst>
       <p:ext uri="{BB962C8B-B14F-4D97-AF65-F5344CB8AC3E}">
-        <p14:creationId xmlns:p14="http://schemas.microsoft.com/office/powerpoint/2010/main" xmlns="" val="3144273857"/>
+        <p14:creationId xmlns:p14="http://schemas.microsoft.com/office/powerpoint/2010/main" val="3144273857"/>
       </p:ext>
     </p:extLst>
   </p:cSld>
@@ -2628,7 +2628,7 @@
             <a:fld id="{F28BCAEC-89E4-B242-A8C4-E7D362CA6C71}" type="datetimeFigureOut">
               <a:rPr lang="en-US" smtClean="0"/>
               <a:pPr/>
-              <a:t>12/6/2010</a:t>
+              <a:t>12/6/10</a:t>
             </a:fld>
             <a:endParaRPr lang="en-US"/>
           </a:p>
@@ -2680,7 +2680,7 @@
     </p:spTree>
     <p:extLst>
       <p:ext uri="{BB962C8B-B14F-4D97-AF65-F5344CB8AC3E}">
-        <p14:creationId xmlns:p14="http://schemas.microsoft.com/office/powerpoint/2010/main" xmlns="" val="2526929387"/>
+        <p14:creationId xmlns:p14="http://schemas.microsoft.com/office/powerpoint/2010/main" val="2526929387"/>
       </p:ext>
     </p:extLst>
   </p:cSld>
@@ -2883,7 +2883,7 @@
             <a:fld id="{F28BCAEC-89E4-B242-A8C4-E7D362CA6C71}" type="datetimeFigureOut">
               <a:rPr lang="en-US" smtClean="0"/>
               <a:pPr/>
-              <a:t>12/6/2010</a:t>
+              <a:t>12/6/10</a:t>
             </a:fld>
             <a:endParaRPr lang="en-US"/>
           </a:p>
@@ -2935,7 +2935,7 @@
     </p:spTree>
     <p:extLst>
       <p:ext uri="{BB962C8B-B14F-4D97-AF65-F5344CB8AC3E}">
-        <p14:creationId xmlns:p14="http://schemas.microsoft.com/office/powerpoint/2010/main" xmlns="" val="844774047"/>
+        <p14:creationId xmlns:p14="http://schemas.microsoft.com/office/powerpoint/2010/main" val="844774047"/>
       </p:ext>
     </p:extLst>
   </p:cSld>
@@ -3098,7 +3098,7 @@
             <a:fld id="{F28BCAEC-89E4-B242-A8C4-E7D362CA6C71}" type="datetimeFigureOut">
               <a:rPr lang="en-US" smtClean="0"/>
               <a:pPr/>
-              <a:t>12/6/2010</a:t>
+              <a:t>12/6/10</a:t>
             </a:fld>
             <a:endParaRPr lang="en-US"/>
           </a:p>
@@ -3186,7 +3186,7 @@
     </p:spTree>
     <p:extLst>
       <p:ext uri="{BB962C8B-B14F-4D97-AF65-F5344CB8AC3E}">
-        <p14:creationId xmlns:p14="http://schemas.microsoft.com/office/powerpoint/2010/main" xmlns="" val="3130125112"/>
+        <p14:creationId xmlns:p14="http://schemas.microsoft.com/office/powerpoint/2010/main" val="3130125112"/>
       </p:ext>
     </p:extLst>
   </p:cSld>
@@ -3772,7 +3772,7 @@
             <a:blip r:embed="rId2">
               <a:extLst>
                 <a:ext uri="{28A0092B-C50C-407E-A947-70E740481C1C}">
-                  <a14:useLocalDpi xmlns:a14="http://schemas.microsoft.com/office/drawing/2010/main" xmlns="" val="0"/>
+                  <a14:useLocalDpi xmlns:a14="http://schemas.microsoft.com/office/drawing/2010/main" val="0"/>
                 </a:ext>
               </a:extLst>
             </a:blip>
@@ -3888,7 +3888,7 @@
           <a:blip r:embed="rId4">
             <a:extLst>
               <a:ext uri="{28A0092B-C50C-407E-A947-70E740481C1C}">
-                <a14:useLocalDpi xmlns:a14="http://schemas.microsoft.com/office/drawing/2010/main" xmlns="" val="0"/>
+                <a14:useLocalDpi xmlns:a14="http://schemas.microsoft.com/office/drawing/2010/main" val="0"/>
               </a:ext>
             </a:extLst>
           </a:blip>
@@ -3918,7 +3918,7 @@
           <a:blip r:embed="rId5">
             <a:extLst>
               <a:ext uri="{28A0092B-C50C-407E-A947-70E740481C1C}">
-                <a14:useLocalDpi xmlns:a14="http://schemas.microsoft.com/office/drawing/2010/main" xmlns="" val="0"/>
+                <a14:useLocalDpi xmlns:a14="http://schemas.microsoft.com/office/drawing/2010/main" val="0"/>
               </a:ext>
             </a:extLst>
           </a:blip>
@@ -3948,7 +3948,7 @@
           <a:blip r:embed="rId6">
             <a:extLst>
               <a:ext uri="{28A0092B-C50C-407E-A947-70E740481C1C}">
-                <a14:useLocalDpi xmlns:a14="http://schemas.microsoft.com/office/drawing/2010/main" xmlns="" val="0"/>
+                <a14:useLocalDpi xmlns:a14="http://schemas.microsoft.com/office/drawing/2010/main" val="0"/>
               </a:ext>
             </a:extLst>
           </a:blip>
@@ -4083,7 +4083,7 @@
             <a:blip r:embed="rId7">
               <a:extLst>
                 <a:ext uri="{28A0092B-C50C-407E-A947-70E740481C1C}">
-                  <a14:useLocalDpi xmlns:a14="http://schemas.microsoft.com/office/drawing/2010/main" xmlns="" val="0"/>
+                  <a14:useLocalDpi xmlns:a14="http://schemas.microsoft.com/office/drawing/2010/main" val="0"/>
                 </a:ext>
               </a:extLst>
             </a:blip>
@@ -4236,7 +4236,7 @@
             <a:blip r:embed="rId8">
               <a:extLst>
                 <a:ext uri="{28A0092B-C50C-407E-A947-70E740481C1C}">
-                  <a14:useLocalDpi xmlns:a14="http://schemas.microsoft.com/office/drawing/2010/main" xmlns="" val="0"/>
+                  <a14:useLocalDpi xmlns:a14="http://schemas.microsoft.com/office/drawing/2010/main" val="0"/>
                 </a:ext>
               </a:extLst>
             </a:blip>
@@ -4341,7 +4341,7 @@
             <a:blip r:embed="rId9">
               <a:extLst>
                 <a:ext uri="{28A0092B-C50C-407E-A947-70E740481C1C}">
-                  <a14:useLocalDpi xmlns:a14="http://schemas.microsoft.com/office/drawing/2010/main" xmlns="" val="0"/>
+                  <a14:useLocalDpi xmlns:a14="http://schemas.microsoft.com/office/drawing/2010/main" val="0"/>
                 </a:ext>
               </a:extLst>
             </a:blip>
@@ -4485,7 +4485,7 @@
         <p:spPr>
           <a:xfrm>
             <a:off x="27584400" y="14134921"/>
-            <a:ext cx="7467600" cy="6740307"/>
+            <a:ext cx="7467600" cy="7294306"/>
           </a:xfrm>
           <a:prstGeom prst="rect">
             <a:avLst/>
@@ -4500,7 +4500,23 @@
           <a:p>
             <a:r>
               <a:rPr lang="en-US" sz="3600" dirty="0" smtClean="0"/>
-              <a:t>A utilization of the breadth-first algorithm, this solver when given a choice will take all options.  Essentially, whenever it is given two or more paths, it will take one step down each of them, then one more step, and so one until it reaches the end.  While ensuring success, it also usually has to traverse nearly the entire maze before coming up with a solution.  It is also not a practical approach when trying to solve a tangible maze.</a:t>
+              <a:t>A utilization of the breadth-first algorithm, this solver when given a choice will take all options.  Essentially, whenever it is given two or more paths, it will take one step down each of them, then one more step, and so </a:t>
+            </a:r>
+            <a:r>
+              <a:rPr lang="en-US" sz="3600" dirty="0" smtClean="0"/>
+              <a:t>on </a:t>
+            </a:r>
+            <a:r>
+              <a:rPr lang="en-US" sz="3600" dirty="0" smtClean="0"/>
+              <a:t>until it reaches the end.  While ensuring </a:t>
+            </a:r>
+            <a:r>
+              <a:rPr lang="en-US" sz="3600" dirty="0" smtClean="0"/>
+              <a:t>the shortest route, </a:t>
+            </a:r>
+            <a:r>
+              <a:rPr lang="en-US" sz="3600" dirty="0" smtClean="0"/>
+              <a:t>it also usually has to traverse nearly the entire maze before coming up with a solution.  It is also not a practical approach when trying to solve a tangible maze.</a:t>
             </a:r>
             <a:endParaRPr lang="en-US" sz="3600" dirty="0"/>
           </a:p>
@@ -4515,7 +4531,7 @@
         <p:spPr>
           <a:xfrm>
             <a:off x="27584400" y="24155400"/>
-            <a:ext cx="7467600" cy="646331"/>
+            <a:ext cx="7467600" cy="5632312"/>
           </a:xfrm>
           <a:prstGeom prst="rect">
             <a:avLst/>
@@ -4530,7 +4546,11 @@
           <a:p>
             <a:r>
               <a:rPr lang="en-US" sz="3600" dirty="0" smtClean="0"/>
-              <a:t>A*…</a:t>
+              <a:t>A</a:t>
+            </a:r>
+            <a:r>
+              <a:rPr lang="en-US" sz="3600" dirty="0" smtClean="0"/>
+              <a:t>* is a heuristic that assigns two numbers to each cell.  1) the number of steps required to discover the cell 2) the estimated distance to the end.  The algorithm analyzes cells with the smallest sum of numbers first and calculates the numbers for the newly discovered cells.  This algorithm is very efficient and will find a good path, but not necessarily the optimal path. </a:t>
             </a:r>
             <a:endParaRPr lang="en-US" sz="3600" dirty="0"/>
           </a:p>
@@ -4639,7 +4659,7 @@
     </p:spTree>
     <p:extLst>
       <p:ext uri="{BB962C8B-B14F-4D97-AF65-F5344CB8AC3E}">
-        <p14:creationId xmlns:p14="http://schemas.microsoft.com/office/powerpoint/2010/main" xmlns="" val="2423935640"/>
+        <p14:creationId xmlns:p14="http://schemas.microsoft.com/office/powerpoint/2010/main" val="2423935640"/>
       </p:ext>
     </p:extLst>
   </p:cSld>
@@ -4649,7 +4669,7 @@
   <p:timing>
     <p:tnLst>
       <p:par>
-        <p:cTn id="1" dur="indefinite" restart="never" nodeType="tmRoot"/>
+        <p:cTn xmlns:p14="http://schemas.microsoft.com/office/powerpoint/2010/main" id="1" dur="indefinite" restart="never" nodeType="tmRoot"/>
       </p:par>
     </p:tnLst>
   </p:timing>

--- a/Poster2.pptx
+++ b/Poster2.pptx
@@ -3673,7 +3673,7 @@
         <p:spPr>
           <a:xfrm>
             <a:off x="10523893" y="0"/>
-            <a:ext cx="22843415" cy="2339102"/>
+            <a:ext cx="22843415" cy="2954655"/>
           </a:xfrm>
           <a:prstGeom prst="rect">
             <a:avLst/>
@@ -3733,9 +3733,34 @@
                   </a:schemeClr>
                 </a:solidFill>
               </a:rPr>
-              <a:t>, Jacob Scott</a:t>
-            </a:r>
-            <a:endParaRPr lang="en-US" sz="6000" dirty="0">
+              <a:t>, Jacob </a:t>
+            </a:r>
+            <a:r>
+              <a:rPr lang="en-US" sz="6000" dirty="0" smtClean="0">
+                <a:solidFill>
+                  <a:schemeClr val="tx1">
+                    <a:lumMod val="65000"/>
+                    <a:lumOff val="35000"/>
+                  </a:schemeClr>
+                </a:solidFill>
+              </a:rPr>
+              <a:t>Scott</a:t>
+            </a:r>
+          </a:p>
+          <a:p>
+            <a:pPr algn="ctr"/>
+            <a:r>
+              <a:rPr lang="en-US" sz="4000" dirty="0" smtClean="0">
+                <a:solidFill>
+                  <a:schemeClr val="tx1">
+                    <a:lumMod val="65000"/>
+                    <a:lumOff val="35000"/>
+                  </a:schemeClr>
+                </a:solidFill>
+              </a:rPr>
+              <a:t>Advised by Robert Adams</a:t>
+            </a:r>
+            <a:endParaRPr lang="en-US" sz="4000" dirty="0">
               <a:solidFill>
                 <a:schemeClr val="tx1">
                   <a:lumMod val="65000"/>
@@ -4065,9 +4090,9 @@
         <p:grpSpPr>
           <a:xfrm>
             <a:off x="1143006" y="2286000"/>
-            <a:ext cx="15163794" cy="9144000"/>
+            <a:ext cx="15163794" cy="8498082"/>
             <a:chOff x="914405" y="2209800"/>
-            <a:chExt cx="15163794" cy="9144000"/>
+            <a:chExt cx="15163794" cy="8498082"/>
           </a:xfrm>
           <a:noFill/>
         </p:grpSpPr>
@@ -4147,7 +4172,7 @@
           <p:spPr>
             <a:xfrm>
               <a:off x="8305800" y="2951500"/>
-              <a:ext cx="7772399" cy="8402300"/>
+              <a:ext cx="7772399" cy="3416320"/>
             </a:xfrm>
             <a:prstGeom prst="rect">
               <a:avLst/>
@@ -4165,7 +4190,7 @@
             <a:p>
               <a:r>
                 <a:rPr lang="en-US" sz="3600" dirty="0" smtClean="0"/>
-                <a:t>Prim’s algorithm is one of the more common for maze generation.  Each cell is initially marked as uninhabited.  It then randomly chooses an uninhabited cell and marks it as inhabited, and marking all of its  uninhabited neighbors as “frontier”.  Then, picking one of the cell’s frontier neighbors, it marks it as inhabited, breaks down the wall between the two, and marks the new cell’s neighbors as frontier.  It continues this loop until all the cell’s are marked as inhabited.  This algorithm tends to produce mazes with shorter paths, but much more choices.</a:t>
+                <a:t>Prim’s algorithm generates a “perfect” maze by creating a minimum spanning tree between the cells in the maze. A perfect maze has one correct solution. The dead ends created by prims are very short.</a:t>
               </a:r>
               <a:endParaRPr lang="en-US" sz="3600" dirty="0"/>
             </a:p>
@@ -4292,8 +4317,8 @@
           </p:nvSpPr>
           <p:spPr>
             <a:xfrm>
-              <a:off x="8305801" y="13687544"/>
-              <a:ext cx="7924799" cy="6740307"/>
+              <a:off x="8305801" y="12807851"/>
+              <a:ext cx="7924799" cy="3970318"/>
             </a:xfrm>
             <a:prstGeom prst="rect">
               <a:avLst/>
@@ -4308,7 +4333,7 @@
             <a:p>
               <a:r>
                 <a:rPr lang="en-US" sz="3600" dirty="0" smtClean="0"/>
-                <a:t>The backtracker is used to create mazes with much longer corridors, but with fewer choices.  In essence, it starts at a given cell and randomly picks a neighbor and breaks the wall in between them.  It continues this until it reaches a point where all of its neighbors are a part of the maze or boundaries, at which point it will backtrack (thus the name) until it reaches a cell with a free neighbor.  Once all of the cells have been traversed, it stops.</a:t>
+                <a:t>The backtracker also creates perfect mazes. The dead ends are much longer, but there are less decision points. It follows one path as far as possible, and then backtracks to the first possible non-traversed cell. It corresponds to a depth first traversal of the maze.</a:t>
               </a:r>
               <a:endParaRPr lang="en-US" sz="3600" dirty="0"/>
             </a:p>
@@ -4397,8 +4422,8 @@
           </p:nvSpPr>
           <p:spPr>
             <a:xfrm>
-              <a:off x="8009644" y="23780889"/>
-              <a:ext cx="7382756" cy="5632311"/>
+              <a:off x="8009644" y="22697231"/>
+              <a:ext cx="7382756" cy="3416320"/>
             </a:xfrm>
             <a:prstGeom prst="rect">
               <a:avLst/>
@@ -4413,9 +4438,8 @@
             <a:p>
               <a:r>
                 <a:rPr lang="en-US" sz="3600" dirty="0" smtClean="0"/>
-                <a:t>The braid method is basically the exact same as the backtracker.  The only addition is that after generating the maze, it goes through and eliminates all  of the dead ends.  This makes it so that any path can lead you to the end.  This would be much easier for a human, but we wanted used it in order to test our algorithms and see how they would handle it.</a:t>
+                <a:t>A braid maze has no dead ends. It uses the backtracker algorithm and then removes all of the dead ends. Braid mazes can be more difficult for a human in the maze to solve, but computers can solve them easier.</a:t>
               </a:r>
-              <a:endParaRPr lang="en-US" sz="3600" dirty="0"/>
             </a:p>
           </p:txBody>
         </p:sp>
@@ -4455,7 +4479,7 @@
         <p:spPr>
           <a:xfrm>
             <a:off x="27432000" y="3975080"/>
-            <a:ext cx="7924800" cy="3416320"/>
+            <a:ext cx="7924800" cy="4524316"/>
           </a:xfrm>
           <a:prstGeom prst="rect">
             <a:avLst/>
@@ -4470,7 +4494,19 @@
           <a:p>
             <a:r>
               <a:rPr lang="en-US" sz="3600" dirty="0" smtClean="0"/>
-              <a:t>One of the more common and more basic of the solving algorithms.  Basically, whenever you are given a choice between two or more paths, you choose the right-most path.  In most mazes, this should ensure you a path to the goal.</a:t>
+              <a:t>One of the more common and more basic of the solving algorithms.  Basically, whenever you are given a choice between two or more paths, you choose the right-most </a:t>
+            </a:r>
+            <a:r>
+              <a:rPr lang="en-US" sz="3600" dirty="0" smtClean="0"/>
+              <a:t>path with respect to your current facing.  </a:t>
+            </a:r>
+            <a:r>
+              <a:rPr lang="en-US" sz="3600" dirty="0" smtClean="0"/>
+              <a:t>In </a:t>
+            </a:r>
+            <a:r>
+              <a:rPr lang="en-US" sz="3600" dirty="0" smtClean="0"/>
+              <a:t>all mazes with the entrance and exit on the outside, this is guaranteed to find a solution.</a:t>
             </a:r>
             <a:endParaRPr lang="en-US" sz="3600" dirty="0"/>
           </a:p>
@@ -4484,8 +4520,8 @@
         </p:nvSpPr>
         <p:spPr>
           <a:xfrm>
-            <a:off x="27584400" y="14134921"/>
-            <a:ext cx="7467600" cy="7294306"/>
+            <a:off x="27584400" y="13565915"/>
+            <a:ext cx="7467600" cy="7848304"/>
           </a:xfrm>
           <a:prstGeom prst="rect">
             <a:avLst/>
@@ -4500,15 +4536,55 @@
           <a:p>
             <a:r>
               <a:rPr lang="en-US" sz="3600" dirty="0" smtClean="0"/>
-              <a:t>A utilization of the breadth-first algorithm, this solver when given a choice will take all options.  Essentially, whenever it is given two or more paths, it will take one step down each of them, then one more step, and so </a:t>
+              <a:t>A utilization of the breadth-</a:t>
             </a:r>
             <a:r>
               <a:rPr lang="en-US" sz="3600" dirty="0" smtClean="0"/>
-              <a:t>on </a:t>
+              <a:t>first search algorithm. </a:t>
+            </a:r>
+            <a:r>
+              <a:rPr lang="en-US" sz="3600" dirty="0"/>
+              <a:t>T</a:t>
             </a:r>
             <a:r>
               <a:rPr lang="en-US" sz="3600" dirty="0" smtClean="0"/>
-              <a:t>until it reaches the end.  While ensuring </a:t>
+              <a:t>his </a:t>
+            </a:r>
+            <a:r>
+              <a:rPr lang="en-US" sz="3600" dirty="0" smtClean="0"/>
+              <a:t>solver </a:t>
+            </a:r>
+            <a:r>
+              <a:rPr lang="en-US" sz="3600" dirty="0" smtClean="0"/>
+              <a:t>analyzes all paths of length 1 followed by 2 and then 3 and so on. Essentially</a:t>
+            </a:r>
+            <a:r>
+              <a:rPr lang="en-US" sz="3600" dirty="0" smtClean="0"/>
+              <a:t>, whenever it is given two or more paths, it will take one step down each of </a:t>
+            </a:r>
+            <a:r>
+              <a:rPr lang="en-US" sz="3600" dirty="0" smtClean="0"/>
+              <a:t>them</a:t>
+            </a:r>
+            <a:r>
+              <a:rPr lang="en-US" sz="3600" dirty="0"/>
+              <a:t> </a:t>
+            </a:r>
+            <a:r>
+              <a:rPr lang="en-US" sz="3600" dirty="0" smtClean="0"/>
+              <a:t>until </a:t>
+            </a:r>
+            <a:r>
+              <a:rPr lang="en-US" sz="3600" dirty="0" smtClean="0"/>
+              <a:t>it reaches </a:t>
+            </a:r>
+            <a:r>
+              <a:rPr lang="en-US" sz="3600" dirty="0" smtClean="0"/>
+              <a:t>a previously visited path or the </a:t>
+            </a:r>
+            <a:r>
+              <a:rPr lang="en-US" sz="3600" dirty="0" smtClean="0"/>
+              <a:t>end.  While ensuring </a:t>
             </a:r>
             <a:r>
               <a:rPr lang="en-US" sz="3600" dirty="0" smtClean="0"/>
@@ -4516,7 +4592,11 @@
             </a:r>
             <a:r>
               <a:rPr lang="en-US" sz="3600" dirty="0" smtClean="0"/>
-              <a:t>it also usually has to traverse nearly the entire maze before coming up with a solution.  It is also not a practical approach when trying to solve a tangible maze.</a:t>
+              <a:t>it also usually has to traverse nearly the entire maze before coming up with a solution.  It is also not a practical approach when trying to solve a </a:t>
+            </a:r>
+            <a:r>
+              <a:rPr lang="en-US" sz="3600" dirty="0" smtClean="0"/>
+              <a:t>maze from within.</a:t>
             </a:r>
             <a:endParaRPr lang="en-US" sz="3600" dirty="0"/>
           </a:p>
@@ -4656,6 +4736,200 @@
           </a:p>
         </p:txBody>
       </p:sp>
+      <p:pic>
+        <p:nvPicPr>
+          <p:cNvPr id="10" name="Picture 9"/>
+          <p:cNvPicPr>
+            <a:picLocks noChangeAspect="1"/>
+          </p:cNvPicPr>
+          <p:nvPr/>
+        </p:nvPicPr>
+        <p:blipFill>
+          <a:blip r:embed="rId11"/>
+          <a:stretch>
+            <a:fillRect/>
+          </a:stretch>
+        </p:blipFill>
+        <p:spPr>
+          <a:xfrm>
+            <a:off x="8382001" y="6476677"/>
+            <a:ext cx="7620000" cy="4711700"/>
+          </a:xfrm>
+          <a:prstGeom prst="rect">
+            <a:avLst/>
+          </a:prstGeom>
+        </p:spPr>
+      </p:pic>
+      <p:pic>
+        <p:nvPicPr>
+          <p:cNvPr id="11" name="Picture 10"/>
+          <p:cNvPicPr>
+            <a:picLocks noChangeAspect="1"/>
+          </p:cNvPicPr>
+          <p:nvPr/>
+        </p:nvPicPr>
+        <p:blipFill>
+          <a:blip r:embed="rId12"/>
+          <a:stretch>
+            <a:fillRect/>
+          </a:stretch>
+        </p:blipFill>
+        <p:spPr>
+          <a:xfrm>
+            <a:off x="8382001" y="17381518"/>
+            <a:ext cx="7620000" cy="4711700"/>
+          </a:xfrm>
+          <a:prstGeom prst="rect">
+            <a:avLst/>
+          </a:prstGeom>
+        </p:spPr>
+      </p:pic>
+      <p:pic>
+        <p:nvPicPr>
+          <p:cNvPr id="13" name="Picture 12"/>
+          <p:cNvPicPr>
+            <a:picLocks noChangeAspect="1"/>
+          </p:cNvPicPr>
+          <p:nvPr/>
+        </p:nvPicPr>
+        <p:blipFill>
+          <a:blip r:embed="rId13"/>
+          <a:stretch>
+            <a:fillRect/>
+          </a:stretch>
+        </p:blipFill>
+        <p:spPr>
+          <a:xfrm>
+            <a:off x="7988570" y="27419320"/>
+            <a:ext cx="7620000" cy="4711700"/>
+          </a:xfrm>
+          <a:prstGeom prst="rect">
+            <a:avLst/>
+          </a:prstGeom>
+        </p:spPr>
+      </p:pic>
+      <p:sp>
+        <p:nvSpPr>
+          <p:cNvPr id="43" name="TextBox 42"/>
+          <p:cNvSpPr txBox="1"/>
+          <p:nvPr/>
+        </p:nvSpPr>
+        <p:spPr>
+          <a:xfrm>
+            <a:off x="16777134" y="6234368"/>
+            <a:ext cx="10197666" cy="7294306"/>
+          </a:xfrm>
+          <a:prstGeom prst="rect">
+            <a:avLst/>
+          </a:prstGeom>
+          <a:noFill/>
+        </p:spPr>
+        <p:txBody>
+          <a:bodyPr wrap="square" rtlCol="0">
+            <a:spAutoFit/>
+          </a:bodyPr>
+          <a:lstStyle/>
+          <a:p>
+            <a:r>
+              <a:rPr lang="en-US" sz="3600" dirty="0" smtClean="0"/>
+              <a:t>This project creates an interface to allow students to visualize various maze generation and solving algorithms.  It displays a step by step demonstration of the progress of the different algorithms.</a:t>
+            </a:r>
+          </a:p>
+          <a:p>
+            <a:endParaRPr lang="en-US" sz="3600" dirty="0" smtClean="0"/>
+          </a:p>
+          <a:p>
+            <a:r>
+              <a:rPr lang="en-US" sz="3600" dirty="0" smtClean="0"/>
+              <a:t>The program was written in C++ using the Q toolkit, allowing it to be cross-platform.</a:t>
+            </a:r>
+          </a:p>
+          <a:p>
+            <a:endParaRPr lang="en-US" sz="3600" dirty="0"/>
+          </a:p>
+          <a:p>
+            <a:r>
+              <a:rPr lang="en-US" sz="3600" dirty="0" smtClean="0"/>
+              <a:t>The GUI allows you to select a maze size, generation technique, solving algorithms and zoom in on various parts of the maze.</a:t>
+            </a:r>
+            <a:endParaRPr lang="en-US" sz="3600" dirty="0" smtClean="0"/>
+          </a:p>
+          <a:p>
+            <a:endParaRPr lang="en-US" sz="3600" dirty="0" smtClean="0"/>
+          </a:p>
+          <a:p>
+            <a:r>
+              <a:rPr lang="en-US" sz="3600" dirty="0" smtClean="0"/>
+              <a:t>*There are no free </a:t>
+            </a:r>
+            <a:r>
+              <a:rPr lang="en-US" sz="3600" dirty="0" err="1" smtClean="0"/>
+              <a:t>iPads</a:t>
+            </a:r>
+            <a:r>
+              <a:rPr lang="en-US" sz="3600" dirty="0" smtClean="0"/>
+              <a:t> :(</a:t>
+            </a:r>
+            <a:endParaRPr lang="en-US" sz="3600" dirty="0"/>
+          </a:p>
+        </p:txBody>
+      </p:sp>
+      <p:pic>
+        <p:nvPicPr>
+          <p:cNvPr id="31" name="Picture 30"/>
+          <p:cNvPicPr>
+            <a:picLocks noChangeAspect="1"/>
+          </p:cNvPicPr>
+          <p:nvPr/>
+        </p:nvPicPr>
+        <p:blipFill>
+          <a:blip r:embed="rId14"/>
+          <a:stretch>
+            <a:fillRect/>
+          </a:stretch>
+        </p:blipFill>
+        <p:spPr>
+          <a:xfrm>
+            <a:off x="16777134" y="13411200"/>
+            <a:ext cx="10068115" cy="6292572"/>
+          </a:xfrm>
+          <a:prstGeom prst="rect">
+            <a:avLst/>
+          </a:prstGeom>
+        </p:spPr>
+      </p:pic>
+      <p:pic>
+        <p:nvPicPr>
+          <p:cNvPr id="45" name="Picture 2" descr="Simple Cartoon Mouse Clip Art"/>
+          <p:cNvPicPr>
+            <a:picLocks noChangeAspect="1" noChangeArrowheads="1"/>
+          </p:cNvPicPr>
+          <p:nvPr/>
+        </p:nvPicPr>
+        <p:blipFill>
+          <a:blip r:embed="rId10"/>
+          <a:srcRect/>
+          <a:stretch>
+            <a:fillRect/>
+          </a:stretch>
+        </p:blipFill>
+        <p:spPr bwMode="auto">
+          <a:xfrm flipV="1">
+            <a:off x="22136099" y="26593800"/>
+            <a:ext cx="495301" cy="488697"/>
+          </a:xfrm>
+          <a:prstGeom prst="rect">
+            <a:avLst/>
+          </a:prstGeom>
+          <a:noFill/>
+          <a:scene3d>
+            <a:camera prst="orthographicFront">
+              <a:rot lat="0" lon="10800000" rev="0"/>
+            </a:camera>
+            <a:lightRig rig="threePt" dir="t"/>
+          </a:scene3d>
+        </p:spPr>
+      </p:pic>
     </p:spTree>
     <p:extLst>
       <p:ext uri="{BB962C8B-B14F-4D97-AF65-F5344CB8AC3E}">
